--- a/ASOポップカルチャー専門学校_小畑耀_(株)サファリゲームズ_履歴書.pptx
+++ b/ASOポップカルチャー専門学校_小畑耀_(株)サファリゲームズ_履歴書.pptx
@@ -4579,7 +4579,7 @@
         </p:nvSpPr>
         <p:spPr bwMode="auto">
           <a:xfrm>
-            <a:off x="1408748" y="2566194"/>
+            <a:off x="1480120" y="2535620"/>
             <a:ext cx="571500" cy="171450"/>
           </a:xfrm>
           <a:prstGeom prst="rect">
@@ -4636,7 +4636,7 @@
         </p:nvSpPr>
         <p:spPr bwMode="auto">
           <a:xfrm>
-            <a:off x="2018348" y="2566194"/>
+            <a:off x="2052018" y="2535620"/>
             <a:ext cx="571500" cy="171450"/>
           </a:xfrm>
           <a:prstGeom prst="rect">
@@ -5565,11 +5565,10 @@
                 <a:solidFill>
                   <a:srgbClr val="000000"/>
                 </a:solidFill>
-                <a:effectLst/>
                 <a:latin typeface="Calibri" panose="020F0502020204030204" pitchFamily="34" charset="0"/>
                 <a:ea typeface="Calibri" panose="020F0502020204030204" pitchFamily="34" charset="0"/>
               </a:rPr>
-              <a:t>4</a:t>
+              <a:t>5</a:t>
             </a:r>
             <a:endParaRPr lang="ja-JP" sz="1100" kern="100" dirty="0">
               <a:solidFill>
@@ -5628,7 +5627,7 @@
                 <a:effectLst/>
                 <a:ea typeface="Calibri" panose="020F0502020204030204" pitchFamily="34" charset="0"/>
               </a:rPr>
-              <a:t>27</a:t>
+              <a:t>12</a:t>
             </a:r>
           </a:p>
           <a:p>
@@ -5710,7 +5709,7 @@
         <p:spPr>
           <a:xfrm>
             <a:off x="2040114" y="4756709"/>
-            <a:ext cx="2856493" cy="319768"/>
+            <a:ext cx="5169061" cy="308098"/>
           </a:xfrm>
           <a:prstGeom prst="rect">
             <a:avLst/>
@@ -5739,7 +5738,7 @@
                 <a:latin typeface="ＭＳ 明朝" panose="02020609040205080304" pitchFamily="17" charset="-128"/>
                 <a:ea typeface="ＭＳ 明朝" panose="02020609040205080304" pitchFamily="17" charset="-128"/>
               </a:rPr>
-              <a:t>私立筑紫台高等学校　入学</a:t>
+              <a:t>私立筑紫台高等学校　普通科　進学コース　入学</a:t>
             </a:r>
             <a:endParaRPr lang="en-US" altLang="ja-JP" sz="1200" kern="100" dirty="0">
               <a:solidFill>
@@ -5760,7 +5759,7 @@
         <p:spPr>
           <a:xfrm>
             <a:off x="2038685" y="5078984"/>
-            <a:ext cx="2856493" cy="308098"/>
+            <a:ext cx="5169061" cy="308098"/>
           </a:xfrm>
           <a:prstGeom prst="rect">
             <a:avLst/>
@@ -5789,7 +5788,7 @@
                 <a:latin typeface="ＭＳ 明朝" panose="02020609040205080304" pitchFamily="17" charset="-128"/>
                 <a:ea typeface="ＭＳ 明朝" panose="02020609040205080304" pitchFamily="17" charset="-128"/>
               </a:rPr>
-              <a:t>私立筑紫台高等学校　卒業</a:t>
+              <a:t>私立筑紫台高等学校　普通科　進学コース　卒業</a:t>
             </a:r>
             <a:endParaRPr lang="ja-JP" altLang="ja-JP" sz="1200" kern="100" dirty="0">
               <a:solidFill>
@@ -5810,7 +5809,7 @@
         <p:spPr>
           <a:xfrm>
             <a:off x="2023956" y="5407104"/>
-            <a:ext cx="5300972" cy="319768"/>
+            <a:ext cx="5300972" cy="291234"/>
           </a:xfrm>
           <a:prstGeom prst="rect">
             <a:avLst/>
@@ -5832,7 +5831,7 @@
               </a:spcAft>
             </a:pPr>
             <a:r>
-              <a:rPr lang="en-US" altLang="ja-JP" sz="1200" kern="100" dirty="0">
+              <a:rPr lang="en-US" altLang="ja-JP" sz="1050" kern="100" dirty="0">
                 <a:solidFill>
                   <a:srgbClr val="000000"/>
                 </a:solidFill>
@@ -5842,15 +5841,33 @@
               <a:t>ASO</a:t>
             </a:r>
             <a:r>
-              <a:rPr lang="ja-JP" altLang="en-US" sz="1200" kern="100" dirty="0">
+              <a:rPr lang="ja-JP" altLang="en-US" sz="1050" kern="100" dirty="0">
                 <a:solidFill>
                   <a:srgbClr val="000000"/>
                 </a:solidFill>
                 <a:ea typeface="ＭＳ 明朝" panose="02020609040205080304" pitchFamily="17" charset="-128"/>
               </a:rPr>
-              <a:t>ポップカルチャー専門学校　入学</a:t>
-            </a:r>
-            <a:endParaRPr lang="ja-JP" altLang="ja-JP" sz="1200" kern="100" dirty="0">
+              <a:t>ポップカルチャー専門学校　ゲーム・</a:t>
+            </a:r>
+            <a:r>
+              <a:rPr lang="en-US" altLang="ja-JP" sz="1050" kern="100" dirty="0">
+                <a:solidFill>
+                  <a:srgbClr val="000000"/>
+                </a:solidFill>
+                <a:ea typeface="ＭＳ 明朝" panose="02020609040205080304" pitchFamily="17" charset="-128"/>
+              </a:rPr>
+              <a:t>CG</a:t>
+            </a:r>
+            <a:r>
+              <a:rPr lang="ja-JP" altLang="en-US" sz="1050" kern="100" dirty="0">
+                <a:solidFill>
+                  <a:srgbClr val="000000"/>
+                </a:solidFill>
+                <a:ea typeface="ＭＳ 明朝" panose="02020609040205080304" pitchFamily="17" charset="-128"/>
+              </a:rPr>
+              <a:t>・アニメ専攻科ゲーム専攻　入学</a:t>
+            </a:r>
+            <a:endParaRPr lang="ja-JP" altLang="ja-JP" sz="1050" kern="100" dirty="0">
               <a:solidFill>
                 <a:srgbClr val="000000"/>
               </a:solidFill>
@@ -5868,7 +5885,7 @@
         <p:spPr>
           <a:xfrm>
             <a:off x="2023956" y="5728878"/>
-            <a:ext cx="5300971" cy="308098"/>
+            <a:ext cx="5300971" cy="291234"/>
           </a:xfrm>
           <a:prstGeom prst="rect">
             <a:avLst/>
@@ -5890,7 +5907,7 @@
               </a:spcAft>
             </a:pPr>
             <a:r>
-              <a:rPr lang="en-US" altLang="ja-JP" sz="1200" kern="100" dirty="0">
+              <a:rPr lang="en-US" altLang="ja-JP" sz="1050" kern="100" dirty="0">
                 <a:solidFill>
                   <a:srgbClr val="000000"/>
                 </a:solidFill>
@@ -5900,16 +5917,72 @@
               <a:t>ASO</a:t>
             </a:r>
             <a:r>
-              <a:rPr lang="ja-JP" altLang="en-US" sz="1200" kern="100" dirty="0">
+              <a:rPr lang="ja-JP" altLang="en-US" sz="1050" kern="100" dirty="0">
                 <a:solidFill>
                   <a:srgbClr val="000000"/>
                 </a:solidFill>
                 <a:latin typeface="ＭＳ 明朝" panose="02020609040205080304" pitchFamily="17" charset="-128"/>
                 <a:ea typeface="ＭＳ 明朝" panose="02020609040205080304" pitchFamily="17" charset="-128"/>
               </a:rPr>
-              <a:t>ポップカルチャー専門学校　卒業予定</a:t>
-            </a:r>
-            <a:endParaRPr lang="ja-JP" altLang="ja-JP" sz="1200" kern="100" dirty="0">
+              <a:t>ポップカルチャー専門学校　</a:t>
+            </a:r>
+            <a:r>
+              <a:rPr lang="ja-JP" altLang="en-US" sz="1050" kern="100" dirty="0">
+                <a:solidFill>
+                  <a:srgbClr val="000000"/>
+                </a:solidFill>
+                <a:ea typeface="ＭＳ 明朝" panose="02020609040205080304" pitchFamily="17" charset="-128"/>
+              </a:rPr>
+              <a:t>ゲーム・</a:t>
+            </a:r>
+            <a:r>
+              <a:rPr lang="en-US" altLang="ja-JP" sz="1050" kern="100" dirty="0">
+                <a:solidFill>
+                  <a:srgbClr val="000000"/>
+                </a:solidFill>
+                <a:ea typeface="ＭＳ 明朝" panose="02020609040205080304" pitchFamily="17" charset="-128"/>
+              </a:rPr>
+              <a:t>CG</a:t>
+            </a:r>
+            <a:r>
+              <a:rPr lang="ja-JP" altLang="en-US" sz="1050" kern="100" dirty="0">
+                <a:solidFill>
+                  <a:srgbClr val="000000"/>
+                </a:solidFill>
+                <a:ea typeface="ＭＳ 明朝" panose="02020609040205080304" pitchFamily="17" charset="-128"/>
+              </a:rPr>
+              <a:t>・アニメ専攻科</a:t>
+            </a:r>
+            <a:r>
+              <a:rPr lang="ja-JP" altLang="en-US" sz="1050" kern="100">
+                <a:solidFill>
+                  <a:srgbClr val="000000"/>
+                </a:solidFill>
+                <a:ea typeface="ＭＳ 明朝" panose="02020609040205080304" pitchFamily="17" charset="-128"/>
+              </a:rPr>
+              <a:t>ゲーム専攻　</a:t>
+            </a:r>
+            <a:r>
+              <a:rPr lang="ja-JP" altLang="en-US" sz="1050" kern="100">
+                <a:solidFill>
+                  <a:srgbClr val="000000"/>
+                </a:solidFill>
+                <a:latin typeface="ＭＳ 明朝" panose="02020609040205080304" pitchFamily="17" charset="-128"/>
+                <a:ea typeface="ＭＳ 明朝" panose="02020609040205080304" pitchFamily="17" charset="-128"/>
+              </a:rPr>
+              <a:t>卒業</a:t>
+            </a:r>
+            <a:r>
+              <a:rPr lang="ja-JP" altLang="en-US" sz="1050" kern="100" dirty="0">
+                <a:solidFill>
+                  <a:srgbClr val="000000"/>
+                </a:solidFill>
+                <a:latin typeface="ＭＳ 明朝" panose="02020609040205080304" pitchFamily="17" charset="-128"/>
+                <a:ea typeface="ＭＳ 明朝" panose="02020609040205080304" pitchFamily="17" charset="-128"/>
+              </a:rPr>
+              <a:t>予定</a:t>
+            </a:r>
+            <a:endParaRPr lang="ja-JP" altLang="ja-JP" sz="1050" kern="100" dirty="0">
               <a:solidFill>
                 <a:srgbClr val="000000"/>
               </a:solidFill>
@@ -9689,9 +9762,12 @@
 </file>
 
 <file path=customXml/item1.xml><?xml version="1.0" encoding="utf-8"?>
-<p:properties xmlns:p="http://schemas.microsoft.com/office/2006/metadata/properties" xmlns:xsi="http://www.w3.org/2001/XMLSchema-instance" xmlns:pc="http://schemas.microsoft.com/office/infopath/2007/PartnerControls">
-  <documentManagement/>
-</p:properties>
+<?mso-contentType ?>
+<FormTemplates xmlns="http://schemas.microsoft.com/sharepoint/v3/contenttype/forms">
+  <Display>DocumentLibraryForm</Display>
+  <Edit>DocumentLibraryForm</Edit>
+  <New>DocumentLibraryForm</New>
+</FormTemplates>
 </file>
 
 <file path=customXml/item2.xml><?xml version="1.0" encoding="utf-8"?>
@@ -9860,27 +9936,15 @@
 </file>
 
 <file path=customXml/item3.xml><?xml version="1.0" encoding="utf-8"?>
-<?mso-contentType ?>
-<FormTemplates xmlns="http://schemas.microsoft.com/sharepoint/v3/contenttype/forms">
-  <Display>DocumentLibraryForm</Display>
-  <Edit>DocumentLibraryForm</Edit>
-  <New>DocumentLibraryForm</New>
-</FormTemplates>
+<p:properties xmlns:p="http://schemas.microsoft.com/office/2006/metadata/properties" xmlns:xsi="http://www.w3.org/2001/XMLSchema-instance" xmlns:pc="http://schemas.microsoft.com/office/infopath/2007/PartnerControls">
+  <documentManagement/>
+</p:properties>
 </file>
 
 <file path=customXml/itemProps1.xml><?xml version="1.0" encoding="utf-8"?>
-<ds:datastoreItem xmlns:ds="http://schemas.openxmlformats.org/officeDocument/2006/customXml" ds:itemID="{F929C96F-1932-4DE7-A156-7D3B458EA036}">
+<ds:datastoreItem xmlns:ds="http://schemas.openxmlformats.org/officeDocument/2006/customXml" ds:itemID="{6EDD97E7-7A91-4DDE-BFC9-DC3652AAA340}">
   <ds:schemaRefs>
-    <ds:schemaRef ds:uri="http://schemas.microsoft.com/office/2006/documentManagement/types"/>
-    <ds:schemaRef ds:uri="http://www.w3.org/XML/1998/namespace"/>
-    <ds:schemaRef ds:uri="http://purl.org/dc/terms/"/>
-    <ds:schemaRef ds:uri="http://purl.org/dc/elements/1.1/"/>
-    <ds:schemaRef ds:uri="http://schemas.microsoft.com/office/infopath/2007/PartnerControls"/>
-    <ds:schemaRef ds:uri="http://purl.org/dc/dcmitype/"/>
-    <ds:schemaRef ds:uri="http://schemas.microsoft.com/office/2006/metadata/properties"/>
-    <ds:schemaRef ds:uri="http://schemas.openxmlformats.org/package/2006/metadata/core-properties"/>
-    <ds:schemaRef ds:uri="d96a085a-c185-4699-8a52-62798b5a76fe"/>
-    <ds:schemaRef ds:uri="c6997f91-8249-4dce-9b86-00499df785e0"/>
+    <ds:schemaRef ds:uri="http://schemas.microsoft.com/sharepoint/v3/contenttype/forms"/>
   </ds:schemaRefs>
 </ds:datastoreItem>
 </file>
@@ -9905,9 +9969,18 @@
 </file>
 
 <file path=customXml/itemProps3.xml><?xml version="1.0" encoding="utf-8"?>
-<ds:datastoreItem xmlns:ds="http://schemas.openxmlformats.org/officeDocument/2006/customXml" ds:itemID="{6EDD97E7-7A91-4DDE-BFC9-DC3652AAA340}">
+<ds:datastoreItem xmlns:ds="http://schemas.openxmlformats.org/officeDocument/2006/customXml" ds:itemID="{F929C96F-1932-4DE7-A156-7D3B458EA036}">
   <ds:schemaRefs>
-    <ds:schemaRef ds:uri="http://schemas.microsoft.com/sharepoint/v3/contenttype/forms"/>
+    <ds:schemaRef ds:uri="http://schemas.microsoft.com/office/2006/documentManagement/types"/>
+    <ds:schemaRef ds:uri="http://purl.org/dc/dcmitype/"/>
+    <ds:schemaRef ds:uri="c6997f91-8249-4dce-9b86-00499df785e0"/>
+    <ds:schemaRef ds:uri="http://purl.org/dc/terms/"/>
+    <ds:schemaRef ds:uri="http://schemas.openxmlformats.org/package/2006/metadata/core-properties"/>
+    <ds:schemaRef ds:uri="http://schemas.microsoft.com/office/infopath/2007/PartnerControls"/>
+    <ds:schemaRef ds:uri="d96a085a-c185-4699-8a52-62798b5a76fe"/>
+    <ds:schemaRef ds:uri="http://schemas.microsoft.com/office/2006/metadata/properties"/>
+    <ds:schemaRef ds:uri="http://www.w3.org/XML/1998/namespace"/>
+    <ds:schemaRef ds:uri="http://purl.org/dc/elements/1.1/"/>
   </ds:schemaRefs>
 </ds:datastoreItem>
 </file>
--- a/ASOポップカルチャー専門学校_小畑耀_(株)サファリゲームズ_履歴書.pptx
+++ b/ASOポップカルチャー専門学校_小畑耀_(株)サファリゲームズ_履歴書.pptx
@@ -197,7 +197,7 @@
           <a:p>
             <a:fld id="{78AFCC79-98F6-44C4-9AD4-D1F9ABC38153}" type="datetimeFigureOut">
               <a:rPr kumimoji="1" lang="ja-JP" altLang="en-US" smtClean="0"/>
-              <a:t>2023/5/12</a:t>
+              <a:t>2023/5/29</a:t>
             </a:fld>
             <a:endParaRPr kumimoji="1" lang="ja-JP" altLang="en-US"/>
           </a:p>
@@ -711,7 +711,7 @@
           <a:p>
             <a:fld id="{794C40CB-C9B9-4CF7-8744-847E2158247A}" type="datetimeFigureOut">
               <a:rPr kumimoji="1" lang="ja-JP" altLang="en-US" smtClean="0"/>
-              <a:t>2023/5/12</a:t>
+              <a:t>2023/5/29</a:t>
             </a:fld>
             <a:endParaRPr kumimoji="1" lang="ja-JP" altLang="en-US"/>
           </a:p>
@@ -913,7 +913,7 @@
           <a:p>
             <a:fld id="{794C40CB-C9B9-4CF7-8744-847E2158247A}" type="datetimeFigureOut">
               <a:rPr kumimoji="1" lang="ja-JP" altLang="en-US" smtClean="0"/>
-              <a:t>2023/5/12</a:t>
+              <a:t>2023/5/29</a:t>
             </a:fld>
             <a:endParaRPr kumimoji="1" lang="ja-JP" altLang="en-US"/>
           </a:p>
@@ -1125,7 +1125,7 @@
           <a:p>
             <a:fld id="{794C40CB-C9B9-4CF7-8744-847E2158247A}" type="datetimeFigureOut">
               <a:rPr kumimoji="1" lang="ja-JP" altLang="en-US" smtClean="0"/>
-              <a:t>2023/5/12</a:t>
+              <a:t>2023/5/29</a:t>
             </a:fld>
             <a:endParaRPr kumimoji="1" lang="ja-JP" altLang="en-US"/>
           </a:p>
@@ -1327,7 +1327,7 @@
           <a:p>
             <a:fld id="{794C40CB-C9B9-4CF7-8744-847E2158247A}" type="datetimeFigureOut">
               <a:rPr kumimoji="1" lang="ja-JP" altLang="en-US" smtClean="0"/>
-              <a:t>2023/5/12</a:t>
+              <a:t>2023/5/29</a:t>
             </a:fld>
             <a:endParaRPr kumimoji="1" lang="ja-JP" altLang="en-US"/>
           </a:p>
@@ -1571,7 +1571,7 @@
           <a:p>
             <a:fld id="{794C40CB-C9B9-4CF7-8744-847E2158247A}" type="datetimeFigureOut">
               <a:rPr kumimoji="1" lang="ja-JP" altLang="en-US" smtClean="0"/>
-              <a:t>2023/5/12</a:t>
+              <a:t>2023/5/29</a:t>
             </a:fld>
             <a:endParaRPr kumimoji="1" lang="ja-JP" altLang="en-US"/>
           </a:p>
@@ -1867,7 +1867,7 @@
           <a:p>
             <a:fld id="{794C40CB-C9B9-4CF7-8744-847E2158247A}" type="datetimeFigureOut">
               <a:rPr kumimoji="1" lang="ja-JP" altLang="en-US" smtClean="0"/>
-              <a:t>2023/5/12</a:t>
+              <a:t>2023/5/29</a:t>
             </a:fld>
             <a:endParaRPr kumimoji="1" lang="ja-JP" altLang="en-US"/>
           </a:p>
@@ -2298,7 +2298,7 @@
           <a:p>
             <a:fld id="{794C40CB-C9B9-4CF7-8744-847E2158247A}" type="datetimeFigureOut">
               <a:rPr kumimoji="1" lang="ja-JP" altLang="en-US" smtClean="0"/>
-              <a:t>2023/5/12</a:t>
+              <a:t>2023/5/29</a:t>
             </a:fld>
             <a:endParaRPr kumimoji="1" lang="ja-JP" altLang="en-US"/>
           </a:p>
@@ -2416,7 +2416,7 @@
           <a:p>
             <a:fld id="{794C40CB-C9B9-4CF7-8744-847E2158247A}" type="datetimeFigureOut">
               <a:rPr kumimoji="1" lang="ja-JP" altLang="en-US" smtClean="0"/>
-              <a:t>2023/5/12</a:t>
+              <a:t>2023/5/29</a:t>
             </a:fld>
             <a:endParaRPr kumimoji="1" lang="ja-JP" altLang="en-US"/>
           </a:p>
@@ -2511,7 +2511,7 @@
           <a:p>
             <a:fld id="{794C40CB-C9B9-4CF7-8744-847E2158247A}" type="datetimeFigureOut">
               <a:rPr kumimoji="1" lang="ja-JP" altLang="en-US" smtClean="0"/>
-              <a:t>2023/5/12</a:t>
+              <a:t>2023/5/29</a:t>
             </a:fld>
             <a:endParaRPr kumimoji="1" lang="ja-JP" altLang="en-US"/>
           </a:p>
@@ -2820,7 +2820,7 @@
           <a:p>
             <a:fld id="{794C40CB-C9B9-4CF7-8744-847E2158247A}" type="datetimeFigureOut">
               <a:rPr kumimoji="1" lang="ja-JP" altLang="en-US" smtClean="0"/>
-              <a:t>2023/5/12</a:t>
+              <a:t>2023/5/29</a:t>
             </a:fld>
             <a:endParaRPr kumimoji="1" lang="ja-JP" altLang="en-US"/>
           </a:p>
@@ -3077,7 +3077,7 @@
           <a:p>
             <a:fld id="{794C40CB-C9B9-4CF7-8744-847E2158247A}" type="datetimeFigureOut">
               <a:rPr kumimoji="1" lang="ja-JP" altLang="en-US" smtClean="0"/>
-              <a:t>2023/5/12</a:t>
+              <a:t>2023/5/29</a:t>
             </a:fld>
             <a:endParaRPr kumimoji="1" lang="ja-JP" altLang="en-US"/>
           </a:p>
@@ -3322,7 +3322,7 @@
           <a:p>
             <a:fld id="{794C40CB-C9B9-4CF7-8744-847E2158247A}" type="datetimeFigureOut">
               <a:rPr kumimoji="1" lang="ja-JP" altLang="en-US" smtClean="0"/>
-              <a:t>2023/5/12</a:t>
+              <a:t>2023/5/29</a:t>
             </a:fld>
             <a:endParaRPr kumimoji="1" lang="ja-JP" altLang="en-US"/>
           </a:p>
@@ -7019,7 +7019,7 @@
         <p:spPr>
           <a:xfrm>
             <a:off x="7993062" y="2606440"/>
-            <a:ext cx="6378031" cy="1519327"/>
+            <a:ext cx="6378031" cy="339517"/>
           </a:xfrm>
           <a:prstGeom prst="rect">
             <a:avLst/>
@@ -7036,20 +7036,6 @@
                 <a:spcPts val="2250"/>
               </a:lnSpc>
             </a:pPr>
-            <a:r>
-              <a:rPr kumimoji="1" lang="ja-JP" altLang="en-US" sz="1200" dirty="0">
-                <a:latin typeface="ＭＳ Ｐ明朝" panose="02020600040205080304" pitchFamily="18" charset="-128"/>
-                <a:ea typeface="ＭＳ Ｐ明朝" panose="02020600040205080304" pitchFamily="18" charset="-128"/>
-              </a:rPr>
-              <a:t>貴社の説明会に参加させていただいた際に現状の課題や今後の目標を説明いただいたこと、安定した新人研修、様々なジャンルに手を延ばすチャレンジ精神を魅力に感じました。様々な開発に携わることにより個人の開発能力や臨機応変な対応力を身に着けることができるよう</a:t>
-            </a:r>
-            <a:r>
-              <a:rPr kumimoji="1" lang="ja-JP" altLang="en-US" sz="1200">
-                <a:latin typeface="ＭＳ Ｐ明朝" panose="02020600040205080304" pitchFamily="18" charset="-128"/>
-                <a:ea typeface="ＭＳ Ｐ明朝" panose="02020600040205080304" pitchFamily="18" charset="-128"/>
-              </a:rPr>
-              <a:t>になり、以降の開発に対して経験を活かしやすくなるため私自身の成長にも繋がると考え、貴社を志望いたしました。</a:t>
-            </a:r>
             <a:endParaRPr kumimoji="1" lang="en-US" altLang="ja-JP" sz="1200" dirty="0">
               <a:latin typeface="ＭＳ Ｐ明朝" panose="02020600040205080304" pitchFamily="18" charset="-128"/>
               <a:ea typeface="ＭＳ Ｐ明朝" panose="02020600040205080304" pitchFamily="18" charset="-128"/>
@@ -9762,12 +9748,9 @@
 </file>
 
 <file path=customXml/item1.xml><?xml version="1.0" encoding="utf-8"?>
-<?mso-contentType ?>
-<FormTemplates xmlns="http://schemas.microsoft.com/sharepoint/v3/contenttype/forms">
-  <Display>DocumentLibraryForm</Display>
-  <Edit>DocumentLibraryForm</Edit>
-  <New>DocumentLibraryForm</New>
-</FormTemplates>
+<p:properties xmlns:p="http://schemas.microsoft.com/office/2006/metadata/properties" xmlns:xsi="http://www.w3.org/2001/XMLSchema-instance" xmlns:pc="http://schemas.microsoft.com/office/infopath/2007/PartnerControls">
+  <documentManagement/>
+</p:properties>
 </file>
 
 <file path=customXml/item2.xml><?xml version="1.0" encoding="utf-8"?>
@@ -9936,15 +9919,27 @@
 </file>
 
 <file path=customXml/item3.xml><?xml version="1.0" encoding="utf-8"?>
-<p:properties xmlns:p="http://schemas.microsoft.com/office/2006/metadata/properties" xmlns:xsi="http://www.w3.org/2001/XMLSchema-instance" xmlns:pc="http://schemas.microsoft.com/office/infopath/2007/PartnerControls">
-  <documentManagement/>
-</p:properties>
+<?mso-contentType ?>
+<FormTemplates xmlns="http://schemas.microsoft.com/sharepoint/v3/contenttype/forms">
+  <Display>DocumentLibraryForm</Display>
+  <Edit>DocumentLibraryForm</Edit>
+  <New>DocumentLibraryForm</New>
+</FormTemplates>
 </file>
 
 <file path=customXml/itemProps1.xml><?xml version="1.0" encoding="utf-8"?>
-<ds:datastoreItem xmlns:ds="http://schemas.openxmlformats.org/officeDocument/2006/customXml" ds:itemID="{6EDD97E7-7A91-4DDE-BFC9-DC3652AAA340}">
+<ds:datastoreItem xmlns:ds="http://schemas.openxmlformats.org/officeDocument/2006/customXml" ds:itemID="{F929C96F-1932-4DE7-A156-7D3B458EA036}">
   <ds:schemaRefs>
-    <ds:schemaRef ds:uri="http://schemas.microsoft.com/sharepoint/v3/contenttype/forms"/>
+    <ds:schemaRef ds:uri="http://schemas.microsoft.com/office/2006/documentManagement/types"/>
+    <ds:schemaRef ds:uri="http://purl.org/dc/dcmitype/"/>
+    <ds:schemaRef ds:uri="c6997f91-8249-4dce-9b86-00499df785e0"/>
+    <ds:schemaRef ds:uri="http://purl.org/dc/terms/"/>
+    <ds:schemaRef ds:uri="http://schemas.openxmlformats.org/package/2006/metadata/core-properties"/>
+    <ds:schemaRef ds:uri="http://schemas.microsoft.com/office/infopath/2007/PartnerControls"/>
+    <ds:schemaRef ds:uri="d96a085a-c185-4699-8a52-62798b5a76fe"/>
+    <ds:schemaRef ds:uri="http://schemas.microsoft.com/office/2006/metadata/properties"/>
+    <ds:schemaRef ds:uri="http://www.w3.org/XML/1998/namespace"/>
+    <ds:schemaRef ds:uri="http://purl.org/dc/elements/1.1/"/>
   </ds:schemaRefs>
 </ds:datastoreItem>
 </file>
@@ -9969,18 +9964,9 @@
 </file>
 
 <file path=customXml/itemProps3.xml><?xml version="1.0" encoding="utf-8"?>
-<ds:datastoreItem xmlns:ds="http://schemas.openxmlformats.org/officeDocument/2006/customXml" ds:itemID="{F929C96F-1932-4DE7-A156-7D3B458EA036}">
+<ds:datastoreItem xmlns:ds="http://schemas.openxmlformats.org/officeDocument/2006/customXml" ds:itemID="{6EDD97E7-7A91-4DDE-BFC9-DC3652AAA340}">
   <ds:schemaRefs>
-    <ds:schemaRef ds:uri="http://schemas.microsoft.com/office/2006/documentManagement/types"/>
-    <ds:schemaRef ds:uri="http://purl.org/dc/dcmitype/"/>
-    <ds:schemaRef ds:uri="c6997f91-8249-4dce-9b86-00499df785e0"/>
-    <ds:schemaRef ds:uri="http://purl.org/dc/terms/"/>
-    <ds:schemaRef ds:uri="http://schemas.openxmlformats.org/package/2006/metadata/core-properties"/>
-    <ds:schemaRef ds:uri="http://schemas.microsoft.com/office/infopath/2007/PartnerControls"/>
-    <ds:schemaRef ds:uri="d96a085a-c185-4699-8a52-62798b5a76fe"/>
-    <ds:schemaRef ds:uri="http://schemas.microsoft.com/office/2006/metadata/properties"/>
-    <ds:schemaRef ds:uri="http://www.w3.org/XML/1998/namespace"/>
-    <ds:schemaRef ds:uri="http://purl.org/dc/elements/1.1/"/>
+    <ds:schemaRef ds:uri="http://schemas.microsoft.com/sharepoint/v3/contenttype/forms"/>
   </ds:schemaRefs>
 </ds:datastoreItem>
 </file>